--- a/docs/diagrams/UiComponentClassDiagram.pptx
+++ b/docs/diagrams/UiComponentClassDiagram.pptx
@@ -208,7 +208,7 @@
           <a:p>
             <a:fld id="{F5CC4B3F-88C1-4FFA-B1B6-F41C21DC6924}" type="datetimeFigureOut">
               <a:rPr lang="en-US" smtClean="0"/>
-              <a:t>17-Oct-18</a:t>
+              <a:t>11/6/2018</a:t>
             </a:fld>
             <a:endParaRPr lang="en-US"/>
           </a:p>
@@ -654,7 +654,7 @@
           <a:p>
             <a:fld id="{78C97017-6FC3-485B-9764-EAC9E56C1D49}" type="datetimeFigureOut">
               <a:rPr lang="en-US" smtClean="0"/>
-              <a:t>17-Oct-18</a:t>
+              <a:t>11/6/2018</a:t>
             </a:fld>
             <a:endParaRPr lang="en-US"/>
           </a:p>
@@ -822,7 +822,7 @@
           <a:p>
             <a:fld id="{78C97017-6FC3-485B-9764-EAC9E56C1D49}" type="datetimeFigureOut">
               <a:rPr lang="en-US" smtClean="0"/>
-              <a:t>17-Oct-18</a:t>
+              <a:t>11/6/2018</a:t>
             </a:fld>
             <a:endParaRPr lang="en-US"/>
           </a:p>
@@ -1000,7 +1000,7 @@
           <a:p>
             <a:fld id="{78C97017-6FC3-485B-9764-EAC9E56C1D49}" type="datetimeFigureOut">
               <a:rPr lang="en-US" smtClean="0"/>
-              <a:t>17-Oct-18</a:t>
+              <a:t>11/6/2018</a:t>
             </a:fld>
             <a:endParaRPr lang="en-US"/>
           </a:p>
@@ -1168,7 +1168,7 @@
           <a:p>
             <a:fld id="{78C97017-6FC3-485B-9764-EAC9E56C1D49}" type="datetimeFigureOut">
               <a:rPr lang="en-US" smtClean="0"/>
-              <a:t>17-Oct-18</a:t>
+              <a:t>11/6/2018</a:t>
             </a:fld>
             <a:endParaRPr lang="en-US"/>
           </a:p>
@@ -1413,7 +1413,7 @@
           <a:p>
             <a:fld id="{78C97017-6FC3-485B-9764-EAC9E56C1D49}" type="datetimeFigureOut">
               <a:rPr lang="en-US" smtClean="0"/>
-              <a:t>17-Oct-18</a:t>
+              <a:t>11/6/2018</a:t>
             </a:fld>
             <a:endParaRPr lang="en-US"/>
           </a:p>
@@ -1698,7 +1698,7 @@
           <a:p>
             <a:fld id="{78C97017-6FC3-485B-9764-EAC9E56C1D49}" type="datetimeFigureOut">
               <a:rPr lang="en-US" smtClean="0"/>
-              <a:t>17-Oct-18</a:t>
+              <a:t>11/6/2018</a:t>
             </a:fld>
             <a:endParaRPr lang="en-US"/>
           </a:p>
@@ -2117,7 +2117,7 @@
           <a:p>
             <a:fld id="{78C97017-6FC3-485B-9764-EAC9E56C1D49}" type="datetimeFigureOut">
               <a:rPr lang="en-US" smtClean="0"/>
-              <a:t>17-Oct-18</a:t>
+              <a:t>11/6/2018</a:t>
             </a:fld>
             <a:endParaRPr lang="en-US"/>
           </a:p>
@@ -2234,7 +2234,7 @@
           <a:p>
             <a:fld id="{78C97017-6FC3-485B-9764-EAC9E56C1D49}" type="datetimeFigureOut">
               <a:rPr lang="en-US" smtClean="0"/>
-              <a:t>17-Oct-18</a:t>
+              <a:t>11/6/2018</a:t>
             </a:fld>
             <a:endParaRPr lang="en-US"/>
           </a:p>
@@ -2329,7 +2329,7 @@
           <a:p>
             <a:fld id="{78C97017-6FC3-485B-9764-EAC9E56C1D49}" type="datetimeFigureOut">
               <a:rPr lang="en-US" smtClean="0"/>
-              <a:t>17-Oct-18</a:t>
+              <a:t>11/6/2018</a:t>
             </a:fld>
             <a:endParaRPr lang="en-US"/>
           </a:p>
@@ -2604,7 +2604,7 @@
           <a:p>
             <a:fld id="{78C97017-6FC3-485B-9764-EAC9E56C1D49}" type="datetimeFigureOut">
               <a:rPr lang="en-US" smtClean="0"/>
-              <a:t>17-Oct-18</a:t>
+              <a:t>11/6/2018</a:t>
             </a:fld>
             <a:endParaRPr lang="en-US"/>
           </a:p>
@@ -2856,7 +2856,7 @@
           <a:p>
             <a:fld id="{78C97017-6FC3-485B-9764-EAC9E56C1D49}" type="datetimeFigureOut">
               <a:rPr lang="en-US" smtClean="0"/>
-              <a:t>17-Oct-18</a:t>
+              <a:t>11/6/2018</a:t>
             </a:fld>
             <a:endParaRPr lang="en-US"/>
           </a:p>
@@ -3067,7 +3067,7 @@
           <a:p>
             <a:fld id="{78C97017-6FC3-485B-9764-EAC9E56C1D49}" type="datetimeFigureOut">
               <a:rPr lang="en-US" smtClean="0"/>
-              <a:t>17-Oct-18</a:t>
+              <a:t>11/6/2018</a:t>
             </a:fld>
             <a:endParaRPr lang="en-US"/>
           </a:p>
@@ -3879,13 +3879,13 @@
       </p:sp>
       <p:sp>
         <p:nvSpPr>
-          <p:cNvPr id="34" name="Rectangle 11"/>
+          <p:cNvPr id="35" name="Rectangle 11"/>
           <p:cNvSpPr/>
           <p:nvPr/>
         </p:nvSpPr>
         <p:spPr>
           <a:xfrm>
-            <a:off x="2592528" y="3649359"/>
+            <a:off x="2592528" y="5757635"/>
             <a:ext cx="1093635" cy="236841"/>
           </a:xfrm>
           <a:prstGeom prst="rect">
@@ -3925,187 +3925,7 @@
                   </a:schemeClr>
                 </a:solidFill>
               </a:rPr>
-              <a:t>BrowserPanel</a:t>
-            </a:r>
-            <a:endParaRPr lang="en-SG" sz="1050" b="1" dirty="0">
-              <a:solidFill>
-                <a:schemeClr val="accent3">
-                  <a:lumMod val="75000"/>
-                </a:schemeClr>
-              </a:solidFill>
-            </a:endParaRPr>
-          </a:p>
-        </p:txBody>
-      </p:sp>
-      <p:sp>
-        <p:nvSpPr>
-          <p:cNvPr id="35" name="Rectangle 11"/>
-          <p:cNvSpPr/>
-          <p:nvPr/>
-        </p:nvSpPr>
-        <p:spPr>
-          <a:xfrm>
-            <a:off x="2592528" y="5757635"/>
-            <a:ext cx="1093635" cy="236841"/>
-          </a:xfrm>
-          <a:prstGeom prst="rect">
-            <a:avLst/>
-          </a:prstGeom>
-          <a:ln w="19050">
-            <a:solidFill>
-              <a:schemeClr val="accent3"/>
-            </a:solidFill>
-          </a:ln>
-          <a:effectLst/>
-        </p:spPr>
-        <p:style>
-          <a:lnRef idx="1">
-            <a:schemeClr val="accent3"/>
-          </a:lnRef>
-          <a:fillRef idx="2">
-            <a:schemeClr val="accent3"/>
-          </a:fillRef>
-          <a:effectRef idx="1">
-            <a:schemeClr val="accent3"/>
-          </a:effectRef>
-          <a:fontRef idx="minor">
-            <a:schemeClr val="dk1"/>
-          </a:fontRef>
-        </p:style>
-        <p:txBody>
-          <a:bodyPr rtlCol="0" anchor="ctr"/>
-          <a:lstStyle/>
-          <a:p>
-            <a:pPr algn="ctr"/>
-            <a:r>
-              <a:rPr lang="en-US" sz="1050" b="1" dirty="0" err="1">
-                <a:solidFill>
-                  <a:schemeClr val="accent3">
-                    <a:lumMod val="75000"/>
-                  </a:schemeClr>
-                </a:solidFill>
-              </a:rPr>
               <a:t>StatusBarFooter</a:t>
-            </a:r>
-            <a:endParaRPr lang="en-SG" sz="1050" b="1" dirty="0">
-              <a:solidFill>
-                <a:schemeClr val="accent3">
-                  <a:lumMod val="75000"/>
-                </a:schemeClr>
-              </a:solidFill>
-            </a:endParaRPr>
-          </a:p>
-        </p:txBody>
-      </p:sp>
-      <p:sp>
-        <p:nvSpPr>
-          <p:cNvPr id="36" name="Rectangle 11"/>
-          <p:cNvSpPr/>
-          <p:nvPr/>
-        </p:nvSpPr>
-        <p:spPr>
-          <a:xfrm>
-            <a:off x="2592526" y="3991960"/>
-            <a:ext cx="1093635" cy="236841"/>
-          </a:xfrm>
-          <a:prstGeom prst="rect">
-            <a:avLst/>
-          </a:prstGeom>
-          <a:ln w="19050">
-            <a:solidFill>
-              <a:schemeClr val="accent3"/>
-            </a:solidFill>
-          </a:ln>
-          <a:effectLst/>
-        </p:spPr>
-        <p:style>
-          <a:lnRef idx="1">
-            <a:schemeClr val="accent3"/>
-          </a:lnRef>
-          <a:fillRef idx="2">
-            <a:schemeClr val="accent3"/>
-          </a:fillRef>
-          <a:effectRef idx="1">
-            <a:schemeClr val="accent3"/>
-          </a:effectRef>
-          <a:fontRef idx="minor">
-            <a:schemeClr val="dk1"/>
-          </a:fontRef>
-        </p:style>
-        <p:txBody>
-          <a:bodyPr rtlCol="0" anchor="ctr"/>
-          <a:lstStyle/>
-          <a:p>
-            <a:pPr algn="ctr"/>
-            <a:r>
-              <a:rPr lang="en-US" sz="1050" b="1" dirty="0" err="1">
-                <a:solidFill>
-                  <a:schemeClr val="accent3">
-                    <a:lumMod val="75000"/>
-                  </a:schemeClr>
-                </a:solidFill>
-              </a:rPr>
-              <a:t>PersonListPanel</a:t>
-            </a:r>
-            <a:endParaRPr lang="en-SG" sz="1050" b="1" dirty="0">
-              <a:solidFill>
-                <a:schemeClr val="accent3">
-                  <a:lumMod val="75000"/>
-                </a:schemeClr>
-              </a:solidFill>
-            </a:endParaRPr>
-          </a:p>
-        </p:txBody>
-      </p:sp>
-      <p:sp>
-        <p:nvSpPr>
-          <p:cNvPr id="37" name="Rectangle 11"/>
-          <p:cNvSpPr/>
-          <p:nvPr/>
-        </p:nvSpPr>
-        <p:spPr>
-          <a:xfrm>
-            <a:off x="3839323" y="4228801"/>
-            <a:ext cx="1040906" cy="236841"/>
-          </a:xfrm>
-          <a:prstGeom prst="rect">
-            <a:avLst/>
-          </a:prstGeom>
-          <a:ln w="19050">
-            <a:solidFill>
-              <a:schemeClr val="accent3"/>
-            </a:solidFill>
-          </a:ln>
-          <a:effectLst/>
-        </p:spPr>
-        <p:style>
-          <a:lnRef idx="1">
-            <a:schemeClr val="accent3"/>
-          </a:lnRef>
-          <a:fillRef idx="2">
-            <a:schemeClr val="accent3"/>
-          </a:fillRef>
-          <a:effectRef idx="1">
-            <a:schemeClr val="accent3"/>
-          </a:effectRef>
-          <a:fontRef idx="minor">
-            <a:schemeClr val="dk1"/>
-          </a:fontRef>
-        </p:style>
-        <p:txBody>
-          <a:bodyPr rtlCol="0" anchor="ctr"/>
-          <a:lstStyle/>
-          <a:p>
-            <a:pPr algn="ctr"/>
-            <a:r>
-              <a:rPr lang="en-US" sz="1050" b="1" dirty="0" err="1">
-                <a:solidFill>
-                  <a:schemeClr val="accent3">
-                    <a:lumMod val="75000"/>
-                  </a:schemeClr>
-                </a:solidFill>
-              </a:rPr>
-              <a:t>PersonCard</a:t>
             </a:r>
             <a:endParaRPr lang="en-SG" sz="1050" b="1" dirty="0">
               <a:solidFill>
@@ -4328,88 +4148,6 @@
       </p:sp>
       <p:cxnSp>
         <p:nvCxnSpPr>
-          <p:cNvPr id="44" name="Elbow Connector 63"/>
-          <p:cNvCxnSpPr>
-            <a:stCxn id="39" idx="2"/>
-            <a:endCxn id="34" idx="1"/>
-          </p:cNvCxnSpPr>
-          <p:nvPr/>
-        </p:nvCxnSpPr>
-        <p:spPr>
-          <a:xfrm rot="16200000" flipH="1">
-            <a:off x="2054450" y="3229701"/>
-            <a:ext cx="899755" cy="176402"/>
-          </a:xfrm>
-          <a:prstGeom prst="bentConnector2">
-            <a:avLst/>
-          </a:prstGeom>
-          <a:ln w="19050">
-            <a:solidFill>
-              <a:schemeClr val="accent3"/>
-            </a:solidFill>
-            <a:headEnd type="none" w="med" len="med"/>
-            <a:tailEnd type="arrow" w="med" len="med"/>
-          </a:ln>
-          <a:effectLst/>
-        </p:spPr>
-        <p:style>
-          <a:lnRef idx="1">
-            <a:schemeClr val="accent2"/>
-          </a:lnRef>
-          <a:fillRef idx="2">
-            <a:schemeClr val="accent2"/>
-          </a:fillRef>
-          <a:effectRef idx="1">
-            <a:schemeClr val="accent2"/>
-          </a:effectRef>
-          <a:fontRef idx="minor">
-            <a:schemeClr val="dk1"/>
-          </a:fontRef>
-        </p:style>
-      </p:cxnSp>
-      <p:cxnSp>
-        <p:nvCxnSpPr>
-          <p:cNvPr id="47" name="Elbow Connector 63"/>
-          <p:cNvCxnSpPr>
-            <a:stCxn id="39" idx="2"/>
-            <a:endCxn id="36" idx="1"/>
-          </p:cNvCxnSpPr>
-          <p:nvPr/>
-        </p:nvCxnSpPr>
-        <p:spPr>
-          <a:xfrm rot="16200000" flipH="1">
-            <a:off x="1883148" y="3401003"/>
-            <a:ext cx="1242356" cy="176400"/>
-          </a:xfrm>
-          <a:prstGeom prst="bentConnector2">
-            <a:avLst/>
-          </a:prstGeom>
-          <a:ln w="19050">
-            <a:solidFill>
-              <a:schemeClr val="accent3"/>
-            </a:solidFill>
-            <a:headEnd type="none" w="med" len="med"/>
-            <a:tailEnd type="arrow" w="med" len="med"/>
-          </a:ln>
-          <a:effectLst/>
-        </p:spPr>
-        <p:style>
-          <a:lnRef idx="1">
-            <a:schemeClr val="accent2"/>
-          </a:lnRef>
-          <a:fillRef idx="2">
-            <a:schemeClr val="accent2"/>
-          </a:fillRef>
-          <a:effectRef idx="1">
-            <a:schemeClr val="accent2"/>
-          </a:effectRef>
-          <a:fontRef idx="minor">
-            <a:schemeClr val="dk1"/>
-          </a:fontRef>
-        </p:style>
-      </p:cxnSp>
-      <p:cxnSp>
-        <p:nvCxnSpPr>
           <p:cNvPr id="50" name="Elbow Connector 63"/>
           <p:cNvCxnSpPr>
             <a:stCxn id="39" idx="2"/>
@@ -4612,88 +4350,6 @@
       </p:cxnSp>
       <p:cxnSp>
         <p:nvCxnSpPr>
-          <p:cNvPr id="77" name="Elbow Connector 63"/>
-          <p:cNvCxnSpPr>
-            <a:stCxn id="16" idx="3"/>
-            <a:endCxn id="37" idx="3"/>
-          </p:cNvCxnSpPr>
-          <p:nvPr/>
-        </p:nvCxnSpPr>
-        <p:spPr>
-          <a:xfrm rot="5400000">
-            <a:off x="4174488" y="2991741"/>
-            <a:ext cx="2061222" cy="649740"/>
-          </a:xfrm>
-          <a:prstGeom prst="bentConnector2">
-            <a:avLst/>
-          </a:prstGeom>
-          <a:ln w="6350">
-            <a:solidFill>
-              <a:schemeClr val="accent3"/>
-            </a:solidFill>
-            <a:headEnd type="none" w="med" len="med"/>
-            <a:tailEnd type="none" w="med" len="med"/>
-          </a:ln>
-          <a:effectLst/>
-        </p:spPr>
-        <p:style>
-          <a:lnRef idx="1">
-            <a:schemeClr val="accent2"/>
-          </a:lnRef>
-          <a:fillRef idx="2">
-            <a:schemeClr val="accent2"/>
-          </a:fillRef>
-          <a:effectRef idx="1">
-            <a:schemeClr val="accent2"/>
-          </a:effectRef>
-          <a:fontRef idx="minor">
-            <a:schemeClr val="dk1"/>
-          </a:fontRef>
-        </p:style>
-      </p:cxnSp>
-      <p:cxnSp>
-        <p:nvCxnSpPr>
-          <p:cNvPr id="82" name="Elbow Connector 63"/>
-          <p:cNvCxnSpPr>
-            <a:stCxn id="16" idx="3"/>
-            <a:endCxn id="34" idx="3"/>
-          </p:cNvCxnSpPr>
-          <p:nvPr/>
-        </p:nvCxnSpPr>
-        <p:spPr>
-          <a:xfrm rot="5400000">
-            <a:off x="3867176" y="2104987"/>
-            <a:ext cx="1481780" cy="1843806"/>
-          </a:xfrm>
-          <a:prstGeom prst="bentConnector2">
-            <a:avLst/>
-          </a:prstGeom>
-          <a:ln w="6350">
-            <a:solidFill>
-              <a:schemeClr val="accent3"/>
-            </a:solidFill>
-            <a:headEnd type="none" w="med" len="med"/>
-            <a:tailEnd type="none" w="med" len="med"/>
-          </a:ln>
-          <a:effectLst/>
-        </p:spPr>
-        <p:style>
-          <a:lnRef idx="1">
-            <a:schemeClr val="accent2"/>
-          </a:lnRef>
-          <a:fillRef idx="2">
-            <a:schemeClr val="accent2"/>
-          </a:fillRef>
-          <a:effectRef idx="1">
-            <a:schemeClr val="accent2"/>
-          </a:effectRef>
-          <a:fontRef idx="minor">
-            <a:schemeClr val="dk1"/>
-          </a:fontRef>
-        </p:style>
-      </p:cxnSp>
-      <p:cxnSp>
-        <p:nvCxnSpPr>
           <p:cNvPr id="88" name="Elbow Connector 63"/>
           <p:cNvCxnSpPr>
             <a:stCxn id="2" idx="3"/>
@@ -5131,88 +4787,6 @@
           <a:xfrm rot="5400000">
             <a:off x="4205956" y="1766207"/>
             <a:ext cx="804221" cy="1843806"/>
-          </a:xfrm>
-          <a:prstGeom prst="bentConnector2">
-            <a:avLst/>
-          </a:prstGeom>
-          <a:ln w="6350">
-            <a:solidFill>
-              <a:schemeClr val="accent3"/>
-            </a:solidFill>
-            <a:headEnd type="none" w="med" len="med"/>
-            <a:tailEnd type="none" w="med" len="med"/>
-          </a:ln>
-          <a:effectLst/>
-        </p:spPr>
-        <p:style>
-          <a:lnRef idx="1">
-            <a:schemeClr val="accent2"/>
-          </a:lnRef>
-          <a:fillRef idx="2">
-            <a:schemeClr val="accent2"/>
-          </a:fillRef>
-          <a:effectRef idx="1">
-            <a:schemeClr val="accent2"/>
-          </a:effectRef>
-          <a:fontRef idx="minor">
-            <a:schemeClr val="dk1"/>
-          </a:fontRef>
-        </p:style>
-      </p:cxnSp>
-      <p:cxnSp>
-        <p:nvCxnSpPr>
-          <p:cNvPr id="137" name="Elbow Connector 136"/>
-          <p:cNvCxnSpPr>
-            <a:stCxn id="36" idx="2"/>
-            <a:endCxn id="37" idx="1"/>
-          </p:cNvCxnSpPr>
-          <p:nvPr/>
-        </p:nvCxnSpPr>
-        <p:spPr>
-          <a:xfrm rot="16200000" flipH="1">
-            <a:off x="3430123" y="3938021"/>
-            <a:ext cx="118421" cy="699979"/>
-          </a:xfrm>
-          <a:prstGeom prst="bentConnector2">
-            <a:avLst/>
-          </a:prstGeom>
-          <a:ln w="19050">
-            <a:solidFill>
-              <a:schemeClr val="accent3"/>
-            </a:solidFill>
-            <a:headEnd type="none" w="med" len="med"/>
-            <a:tailEnd type="arrow" w="med" len="med"/>
-          </a:ln>
-          <a:effectLst/>
-        </p:spPr>
-        <p:style>
-          <a:lnRef idx="1">
-            <a:schemeClr val="accent2"/>
-          </a:lnRef>
-          <a:fillRef idx="2">
-            <a:schemeClr val="accent2"/>
-          </a:fillRef>
-          <a:effectRef idx="1">
-            <a:schemeClr val="accent2"/>
-          </a:effectRef>
-          <a:fontRef idx="minor">
-            <a:schemeClr val="dk1"/>
-          </a:fontRef>
-        </p:style>
-      </p:cxnSp>
-      <p:cxnSp>
-        <p:nvCxnSpPr>
-          <p:cNvPr id="140" name="Elbow Connector 63"/>
-          <p:cNvCxnSpPr>
-            <a:stCxn id="16" idx="3"/>
-            <a:endCxn id="36" idx="3"/>
-          </p:cNvCxnSpPr>
-          <p:nvPr/>
-        </p:nvCxnSpPr>
-        <p:spPr>
-          <a:xfrm rot="5400000">
-            <a:off x="3695875" y="2276286"/>
-            <a:ext cx="1824381" cy="1843808"/>
           </a:xfrm>
           <a:prstGeom prst="bentConnector2">
             <a:avLst/>
@@ -5431,14 +5005,431 @@
       </p:sp>
       <p:sp>
         <p:nvSpPr>
-          <p:cNvPr id="118" name="Freeform 117"/>
+          <p:cNvPr id="48" name="Rectangle 11">
+            <a:extLst>
+              <a:ext uri="{FF2B5EF4-FFF2-40B4-BE49-F238E27FC236}">
+                <a16:creationId xmlns:a16="http://schemas.microsoft.com/office/drawing/2014/main" id="{CA4C1AAF-9D83-496E-8B85-63D218CADFD7}"/>
+              </a:ext>
+            </a:extLst>
+          </p:cNvPr>
           <p:cNvSpPr/>
           <p:nvPr/>
         </p:nvSpPr>
         <p:spPr>
+          <a:xfrm>
+            <a:off x="3086817" y="4662655"/>
+            <a:ext cx="1093635" cy="236841"/>
+          </a:xfrm>
+          <a:prstGeom prst="rect">
+            <a:avLst/>
+          </a:prstGeom>
+          <a:ln w="19050">
+            <a:solidFill>
+              <a:schemeClr val="accent3"/>
+            </a:solidFill>
+          </a:ln>
+          <a:effectLst/>
+        </p:spPr>
+        <p:style>
+          <a:lnRef idx="1">
+            <a:schemeClr val="accent3"/>
+          </a:lnRef>
+          <a:fillRef idx="2">
+            <a:schemeClr val="accent3"/>
+          </a:fillRef>
+          <a:effectRef idx="1">
+            <a:schemeClr val="accent3"/>
+          </a:effectRef>
+          <a:fontRef idx="minor">
+            <a:schemeClr val="dk1"/>
+          </a:fontRef>
+        </p:style>
+        <p:txBody>
+          <a:bodyPr rtlCol="0" anchor="ctr"/>
+          <a:lstStyle/>
+          <a:p>
+            <a:pPr algn="ctr"/>
+            <a:r>
+              <a:rPr lang="en-US" sz="1050" b="1" dirty="0" err="1">
+                <a:solidFill>
+                  <a:schemeClr val="accent3">
+                    <a:lumMod val="75000"/>
+                  </a:schemeClr>
+                </a:solidFill>
+              </a:rPr>
+              <a:t>JobListPanel</a:t>
+            </a:r>
+            <a:endParaRPr lang="en-SG" sz="1050" b="1" dirty="0">
+              <a:solidFill>
+                <a:schemeClr val="accent3">
+                  <a:lumMod val="75000"/>
+                </a:schemeClr>
+              </a:solidFill>
+            </a:endParaRPr>
+          </a:p>
+        </p:txBody>
+      </p:sp>
+      <p:sp>
+        <p:nvSpPr>
+          <p:cNvPr id="49" name="Rectangle 11">
+            <a:extLst>
+              <a:ext uri="{FF2B5EF4-FFF2-40B4-BE49-F238E27FC236}">
+                <a16:creationId xmlns:a16="http://schemas.microsoft.com/office/drawing/2014/main" id="{0F11AA9B-107B-4DD1-95EA-F044A90E8ECC}"/>
+              </a:ext>
+            </a:extLst>
+          </p:cNvPr>
+          <p:cNvSpPr/>
+          <p:nvPr/>
+        </p:nvSpPr>
+        <p:spPr>
+          <a:xfrm>
+            <a:off x="4051547" y="5032514"/>
+            <a:ext cx="1040906" cy="236841"/>
+          </a:xfrm>
+          <a:prstGeom prst="rect">
+            <a:avLst/>
+          </a:prstGeom>
+          <a:ln w="19050">
+            <a:solidFill>
+              <a:schemeClr val="accent3"/>
+            </a:solidFill>
+          </a:ln>
+          <a:effectLst/>
+        </p:spPr>
+        <p:style>
+          <a:lnRef idx="1">
+            <a:schemeClr val="accent3"/>
+          </a:lnRef>
+          <a:fillRef idx="2">
+            <a:schemeClr val="accent3"/>
+          </a:fillRef>
+          <a:effectRef idx="1">
+            <a:schemeClr val="accent3"/>
+          </a:effectRef>
+          <a:fontRef idx="minor">
+            <a:schemeClr val="dk1"/>
+          </a:fontRef>
+        </p:style>
+        <p:txBody>
+          <a:bodyPr rtlCol="0" anchor="ctr"/>
+          <a:lstStyle/>
+          <a:p>
+            <a:pPr algn="ctr"/>
+            <a:r>
+              <a:rPr lang="en-US" sz="1050" b="1" dirty="0" err="1">
+                <a:solidFill>
+                  <a:schemeClr val="accent3">
+                    <a:lumMod val="75000"/>
+                  </a:schemeClr>
+                </a:solidFill>
+              </a:rPr>
+              <a:t>JobCard</a:t>
+            </a:r>
+            <a:endParaRPr lang="en-SG" sz="1050" b="1" dirty="0">
+              <a:solidFill>
+                <a:schemeClr val="accent3">
+                  <a:lumMod val="75000"/>
+                </a:schemeClr>
+              </a:solidFill>
+            </a:endParaRPr>
+          </a:p>
+        </p:txBody>
+      </p:sp>
+      <p:cxnSp>
+        <p:nvCxnSpPr>
+          <p:cNvPr id="51" name="Elbow Connector 136">
+            <a:extLst>
+              <a:ext uri="{FF2B5EF4-FFF2-40B4-BE49-F238E27FC236}">
+                <a16:creationId xmlns:a16="http://schemas.microsoft.com/office/drawing/2014/main" id="{93BADDBA-F14B-4D79-811A-027B2ED06389}"/>
+              </a:ext>
+            </a:extLst>
+          </p:cNvPr>
+          <p:cNvCxnSpPr>
+            <a:cxnSpLocks/>
+            <a:stCxn id="48" idx="2"/>
+            <a:endCxn id="49" idx="1"/>
+          </p:cNvCxnSpPr>
+          <p:nvPr/>
+        </p:nvCxnSpPr>
+        <p:spPr>
+          <a:xfrm rot="16200000" flipH="1">
+            <a:off x="3716872" y="4816259"/>
+            <a:ext cx="251439" cy="417912"/>
+          </a:xfrm>
+          <a:prstGeom prst="bentConnector2">
+            <a:avLst/>
+          </a:prstGeom>
+          <a:ln w="19050">
+            <a:solidFill>
+              <a:schemeClr val="accent3"/>
+            </a:solidFill>
+            <a:headEnd type="none" w="med" len="med"/>
+            <a:tailEnd type="arrow" w="med" len="med"/>
+          </a:ln>
+          <a:effectLst/>
+        </p:spPr>
+        <p:style>
+          <a:lnRef idx="1">
+            <a:schemeClr val="accent2"/>
+          </a:lnRef>
+          <a:fillRef idx="2">
+            <a:schemeClr val="accent2"/>
+          </a:fillRef>
+          <a:effectRef idx="1">
+            <a:schemeClr val="accent2"/>
+          </a:effectRef>
+          <a:fontRef idx="minor">
+            <a:schemeClr val="dk1"/>
+          </a:fontRef>
+        </p:style>
+      </p:cxnSp>
+      <p:sp>
+        <p:nvSpPr>
+          <p:cNvPr id="63" name="Rectangle 11">
+            <a:extLst>
+              <a:ext uri="{FF2B5EF4-FFF2-40B4-BE49-F238E27FC236}">
+                <a16:creationId xmlns:a16="http://schemas.microsoft.com/office/drawing/2014/main" id="{DDEBBDE2-6E8C-46BE-8EAD-C4CE8E27E727}"/>
+              </a:ext>
+            </a:extLst>
+          </p:cNvPr>
+          <p:cNvSpPr/>
+          <p:nvPr/>
+        </p:nvSpPr>
+        <p:spPr>
+          <a:xfrm>
+            <a:off x="2582630" y="3637238"/>
+            <a:ext cx="1258130" cy="236841"/>
+          </a:xfrm>
+          <a:prstGeom prst="rect">
+            <a:avLst/>
+          </a:prstGeom>
+          <a:ln w="19050">
+            <a:solidFill>
+              <a:schemeClr val="accent3"/>
+            </a:solidFill>
+          </a:ln>
+          <a:effectLst/>
+        </p:spPr>
+        <p:style>
+          <a:lnRef idx="1">
+            <a:schemeClr val="accent3"/>
+          </a:lnRef>
+          <a:fillRef idx="2">
+            <a:schemeClr val="accent3"/>
+          </a:fillRef>
+          <a:effectRef idx="1">
+            <a:schemeClr val="accent3"/>
+          </a:effectRef>
+          <a:fontRef idx="minor">
+            <a:schemeClr val="dk1"/>
+          </a:fontRef>
+        </p:style>
+        <p:txBody>
+          <a:bodyPr rtlCol="0" anchor="ctr"/>
+          <a:lstStyle/>
+          <a:p>
+            <a:pPr algn="ctr"/>
+            <a:r>
+              <a:rPr lang="en-US" sz="1050" b="1" dirty="0" err="1">
+                <a:solidFill>
+                  <a:schemeClr val="accent3">
+                    <a:lumMod val="75000"/>
+                  </a:schemeClr>
+                </a:solidFill>
+              </a:rPr>
+              <a:t>MachineListPanel</a:t>
+            </a:r>
+            <a:endParaRPr lang="en-SG" sz="1050" b="1" dirty="0">
+              <a:solidFill>
+                <a:schemeClr val="accent3">
+                  <a:lumMod val="75000"/>
+                </a:schemeClr>
+              </a:solidFill>
+            </a:endParaRPr>
+          </a:p>
+        </p:txBody>
+      </p:sp>
+      <p:sp>
+        <p:nvSpPr>
+          <p:cNvPr id="64" name="Rectangle 11">
+            <a:extLst>
+              <a:ext uri="{FF2B5EF4-FFF2-40B4-BE49-F238E27FC236}">
+                <a16:creationId xmlns:a16="http://schemas.microsoft.com/office/drawing/2014/main" id="{AA6314E7-2E96-493E-ADA7-FB86A1E6FFAE}"/>
+              </a:ext>
+            </a:extLst>
+          </p:cNvPr>
+          <p:cNvSpPr/>
+          <p:nvPr/>
+        </p:nvSpPr>
+        <p:spPr>
+          <a:xfrm>
+            <a:off x="2908747" y="4008561"/>
+            <a:ext cx="1040906" cy="236841"/>
+          </a:xfrm>
+          <a:prstGeom prst="rect">
+            <a:avLst/>
+          </a:prstGeom>
+          <a:ln w="19050">
+            <a:solidFill>
+              <a:schemeClr val="accent3"/>
+            </a:solidFill>
+          </a:ln>
+          <a:effectLst/>
+        </p:spPr>
+        <p:style>
+          <a:lnRef idx="1">
+            <a:schemeClr val="accent3"/>
+          </a:lnRef>
+          <a:fillRef idx="2">
+            <a:schemeClr val="accent3"/>
+          </a:fillRef>
+          <a:effectRef idx="1">
+            <a:schemeClr val="accent3"/>
+          </a:effectRef>
+          <a:fontRef idx="minor">
+            <a:schemeClr val="dk1"/>
+          </a:fontRef>
+        </p:style>
+        <p:txBody>
+          <a:bodyPr rtlCol="0" anchor="ctr"/>
+          <a:lstStyle/>
+          <a:p>
+            <a:pPr algn="ctr"/>
+            <a:r>
+              <a:rPr lang="en-US" sz="1050" b="1" dirty="0" err="1">
+                <a:solidFill>
+                  <a:schemeClr val="accent3">
+                    <a:lumMod val="75000"/>
+                  </a:schemeClr>
+                </a:solidFill>
+              </a:rPr>
+              <a:t>MachineCard</a:t>
+            </a:r>
+            <a:endParaRPr lang="en-SG" sz="1050" b="1" dirty="0">
+              <a:solidFill>
+                <a:schemeClr val="accent3">
+                  <a:lumMod val="75000"/>
+                </a:schemeClr>
+              </a:solidFill>
+            </a:endParaRPr>
+          </a:p>
+        </p:txBody>
+      </p:sp>
+      <p:cxnSp>
+        <p:nvCxnSpPr>
+          <p:cNvPr id="65" name="Elbow Connector 136">
+            <a:extLst>
+              <a:ext uri="{FF2B5EF4-FFF2-40B4-BE49-F238E27FC236}">
+                <a16:creationId xmlns:a16="http://schemas.microsoft.com/office/drawing/2014/main" id="{1510671F-F586-49F8-A17F-94B1E42D2335}"/>
+              </a:ext>
+            </a:extLst>
+          </p:cNvPr>
+          <p:cNvCxnSpPr>
+            <a:cxnSpLocks/>
+            <a:stCxn id="63" idx="2"/>
+            <a:endCxn id="64" idx="1"/>
+          </p:cNvCxnSpPr>
+          <p:nvPr/>
+        </p:nvCxnSpPr>
+        <p:spPr>
+          <a:xfrm rot="5400000">
+            <a:off x="2933770" y="3849056"/>
+            <a:ext cx="252903" cy="302948"/>
+          </a:xfrm>
+          <a:prstGeom prst="bentConnector4">
+            <a:avLst>
+              <a:gd name="adj1" fmla="val 26588"/>
+              <a:gd name="adj2" fmla="val 175458"/>
+            </a:avLst>
+          </a:prstGeom>
+          <a:ln w="19050">
+            <a:solidFill>
+              <a:schemeClr val="accent3"/>
+            </a:solidFill>
+            <a:headEnd type="none" w="med" len="med"/>
+            <a:tailEnd type="arrow" w="med" len="med"/>
+          </a:ln>
+          <a:effectLst/>
+        </p:spPr>
+        <p:style>
+          <a:lnRef idx="1">
+            <a:schemeClr val="accent2"/>
+          </a:lnRef>
+          <a:fillRef idx="2">
+            <a:schemeClr val="accent2"/>
+          </a:fillRef>
+          <a:effectRef idx="1">
+            <a:schemeClr val="accent2"/>
+          </a:effectRef>
+          <a:fontRef idx="minor">
+            <a:schemeClr val="dk1"/>
+          </a:fontRef>
+        </p:style>
+      </p:cxnSp>
+      <p:cxnSp>
+        <p:nvCxnSpPr>
+          <p:cNvPr id="66" name="Elbow Connector 63">
+            <a:extLst>
+              <a:ext uri="{FF2B5EF4-FFF2-40B4-BE49-F238E27FC236}">
+                <a16:creationId xmlns:a16="http://schemas.microsoft.com/office/drawing/2014/main" id="{47BC0B05-3BAC-4A7C-A76F-B5D8120F8582}"/>
+              </a:ext>
+            </a:extLst>
+          </p:cNvPr>
+          <p:cNvCxnSpPr>
+            <a:cxnSpLocks/>
+            <a:stCxn id="39" idx="2"/>
+            <a:endCxn id="63" idx="1"/>
+          </p:cNvCxnSpPr>
+          <p:nvPr/>
+        </p:nvCxnSpPr>
+        <p:spPr>
+          <a:xfrm rot="16200000" flipH="1">
+            <a:off x="2055561" y="3228590"/>
+            <a:ext cx="887634" cy="166504"/>
+          </a:xfrm>
+          <a:prstGeom prst="bentConnector2">
+            <a:avLst/>
+          </a:prstGeom>
+          <a:ln w="19050">
+            <a:solidFill>
+              <a:schemeClr val="accent3"/>
+            </a:solidFill>
+            <a:headEnd type="none" w="med" len="med"/>
+            <a:tailEnd type="arrow" w="med" len="med"/>
+          </a:ln>
+          <a:effectLst/>
+        </p:spPr>
+        <p:style>
+          <a:lnRef idx="1">
+            <a:schemeClr val="accent2"/>
+          </a:lnRef>
+          <a:fillRef idx="2">
+            <a:schemeClr val="accent2"/>
+          </a:fillRef>
+          <a:effectRef idx="1">
+            <a:schemeClr val="accent2"/>
+          </a:effectRef>
+          <a:fontRef idx="minor">
+            <a:schemeClr val="dk1"/>
+          </a:fontRef>
+        </p:style>
+      </p:cxnSp>
+      <p:sp>
+        <p:nvSpPr>
+          <p:cNvPr id="67" name="Freeform 117">
+            <a:extLst>
+              <a:ext uri="{FF2B5EF4-FFF2-40B4-BE49-F238E27FC236}">
+                <a16:creationId xmlns:a16="http://schemas.microsoft.com/office/drawing/2014/main" id="{BD1195E8-AE91-43CD-90F2-7A37E863A69F}"/>
+              </a:ext>
+            </a:extLst>
+          </p:cNvPr>
+          <p:cNvSpPr/>
+          <p:nvPr/>
+        </p:nvSpPr>
+        <p:spPr>
           <a:xfrm flipV="1">
-            <a:off x="4114799" y="4472708"/>
-            <a:ext cx="4440916" cy="203200"/>
+            <a:off x="4572000" y="5290461"/>
+            <a:ext cx="3983715" cy="269570"/>
           </a:xfrm>
           <a:custGeom>
             <a:avLst/>
@@ -5513,10 +5504,10 @@
       </p:sp>
       <p:sp>
         <p:nvSpPr>
-          <p:cNvPr id="48" name="Rectangle 11">
+          <p:cNvPr id="68" name="Freeform 117">
             <a:extLst>
               <a:ext uri="{FF2B5EF4-FFF2-40B4-BE49-F238E27FC236}">
-                <a16:creationId xmlns:a16="http://schemas.microsoft.com/office/drawing/2014/main" id="{CA4C1AAF-9D83-496E-8B85-63D218CADFD7}"/>
+                <a16:creationId xmlns:a16="http://schemas.microsoft.com/office/drawing/2014/main" id="{EE5D5721-1DE8-4AF2-B4BE-3F197CFC5BDA}"/>
               </a:ext>
             </a:extLst>
           </p:cNvPr>
@@ -5524,236 +5515,9 @@
           <p:nvPr/>
         </p:nvSpPr>
         <p:spPr>
-          <a:xfrm>
-            <a:off x="2582630" y="4437187"/>
-            <a:ext cx="1093635" cy="236841"/>
-          </a:xfrm>
-          <a:prstGeom prst="rect">
-            <a:avLst/>
-          </a:prstGeom>
-          <a:ln w="19050">
-            <a:solidFill>
-              <a:schemeClr val="accent3"/>
-            </a:solidFill>
-          </a:ln>
-          <a:effectLst/>
-        </p:spPr>
-        <p:style>
-          <a:lnRef idx="1">
-            <a:schemeClr val="accent3"/>
-          </a:lnRef>
-          <a:fillRef idx="2">
-            <a:schemeClr val="accent3"/>
-          </a:fillRef>
-          <a:effectRef idx="1">
-            <a:schemeClr val="accent3"/>
-          </a:effectRef>
-          <a:fontRef idx="minor">
-            <a:schemeClr val="dk1"/>
-          </a:fontRef>
-        </p:style>
-        <p:txBody>
-          <a:bodyPr rtlCol="0" anchor="ctr"/>
-          <a:lstStyle/>
-          <a:p>
-            <a:pPr algn="ctr"/>
-            <a:r>
-              <a:rPr lang="en-US" sz="1050" b="1" dirty="0" err="1">
-                <a:solidFill>
-                  <a:schemeClr val="accent3">
-                    <a:lumMod val="75000"/>
-                  </a:schemeClr>
-                </a:solidFill>
-              </a:rPr>
-              <a:t>JobListPanel</a:t>
-            </a:r>
-            <a:endParaRPr lang="en-SG" sz="1050" b="1" dirty="0">
-              <a:solidFill>
-                <a:schemeClr val="accent3">
-                  <a:lumMod val="75000"/>
-                </a:schemeClr>
-              </a:solidFill>
-            </a:endParaRPr>
-          </a:p>
-        </p:txBody>
-      </p:sp>
-      <p:sp>
-        <p:nvSpPr>
-          <p:cNvPr id="49" name="Rectangle 11">
-            <a:extLst>
-              <a:ext uri="{FF2B5EF4-FFF2-40B4-BE49-F238E27FC236}">
-                <a16:creationId xmlns:a16="http://schemas.microsoft.com/office/drawing/2014/main" id="{0F11AA9B-107B-4DD1-95EA-F044A90E8ECC}"/>
-              </a:ext>
-            </a:extLst>
-          </p:cNvPr>
-          <p:cNvSpPr/>
-          <p:nvPr/>
-        </p:nvSpPr>
-        <p:spPr>
-          <a:xfrm>
-            <a:off x="3840760" y="4727832"/>
-            <a:ext cx="1040906" cy="236841"/>
-          </a:xfrm>
-          <a:prstGeom prst="rect">
-            <a:avLst/>
-          </a:prstGeom>
-          <a:ln w="19050">
-            <a:solidFill>
-              <a:schemeClr val="accent3"/>
-            </a:solidFill>
-          </a:ln>
-          <a:effectLst/>
-        </p:spPr>
-        <p:style>
-          <a:lnRef idx="1">
-            <a:schemeClr val="accent3"/>
-          </a:lnRef>
-          <a:fillRef idx="2">
-            <a:schemeClr val="accent3"/>
-          </a:fillRef>
-          <a:effectRef idx="1">
-            <a:schemeClr val="accent3"/>
-          </a:effectRef>
-          <a:fontRef idx="minor">
-            <a:schemeClr val="dk1"/>
-          </a:fontRef>
-        </p:style>
-        <p:txBody>
-          <a:bodyPr rtlCol="0" anchor="ctr"/>
-          <a:lstStyle/>
-          <a:p>
-            <a:pPr algn="ctr"/>
-            <a:r>
-              <a:rPr lang="en-US" sz="1050" b="1" dirty="0" err="1">
-                <a:solidFill>
-                  <a:schemeClr val="accent3">
-                    <a:lumMod val="75000"/>
-                  </a:schemeClr>
-                </a:solidFill>
-              </a:rPr>
-              <a:t>JobCard</a:t>
-            </a:r>
-            <a:endParaRPr lang="en-SG" sz="1050" b="1" dirty="0">
-              <a:solidFill>
-                <a:schemeClr val="accent3">
-                  <a:lumMod val="75000"/>
-                </a:schemeClr>
-              </a:solidFill>
-            </a:endParaRPr>
-          </a:p>
-        </p:txBody>
-      </p:sp>
-      <p:cxnSp>
-        <p:nvCxnSpPr>
-          <p:cNvPr id="51" name="Elbow Connector 136">
-            <a:extLst>
-              <a:ext uri="{FF2B5EF4-FFF2-40B4-BE49-F238E27FC236}">
-                <a16:creationId xmlns:a16="http://schemas.microsoft.com/office/drawing/2014/main" id="{93BADDBA-F14B-4D79-811A-027B2ED06389}"/>
-              </a:ext>
-            </a:extLst>
-          </p:cNvPr>
-          <p:cNvCxnSpPr>
-            <a:stCxn id="48" idx="2"/>
-            <a:endCxn id="49" idx="1"/>
-          </p:cNvCxnSpPr>
-          <p:nvPr/>
-        </p:nvCxnSpPr>
-        <p:spPr>
-          <a:xfrm rot="16200000" flipH="1">
-            <a:off x="3398992" y="4404484"/>
-            <a:ext cx="172225" cy="711312"/>
-          </a:xfrm>
-          <a:prstGeom prst="bentConnector2">
-            <a:avLst/>
-          </a:prstGeom>
-          <a:ln w="19050">
-            <a:solidFill>
-              <a:schemeClr val="accent3"/>
-            </a:solidFill>
-            <a:headEnd type="none" w="med" len="med"/>
-            <a:tailEnd type="arrow" w="med" len="med"/>
-          </a:ln>
-          <a:effectLst/>
-        </p:spPr>
-        <p:style>
-          <a:lnRef idx="1">
-            <a:schemeClr val="accent2"/>
-          </a:lnRef>
-          <a:fillRef idx="2">
-            <a:schemeClr val="accent2"/>
-          </a:fillRef>
-          <a:effectRef idx="1">
-            <a:schemeClr val="accent2"/>
-          </a:effectRef>
-          <a:fontRef idx="minor">
-            <a:schemeClr val="dk1"/>
-          </a:fontRef>
-        </p:style>
-      </p:cxnSp>
-      <p:cxnSp>
-        <p:nvCxnSpPr>
-          <p:cNvPr id="52" name="Elbow Connector 63">
-            <a:extLst>
-              <a:ext uri="{FF2B5EF4-FFF2-40B4-BE49-F238E27FC236}">
-                <a16:creationId xmlns:a16="http://schemas.microsoft.com/office/drawing/2014/main" id="{AEE8E5F5-CA80-4D21-8C4A-2FB601BABDBD}"/>
-              </a:ext>
-            </a:extLst>
-          </p:cNvPr>
-          <p:cNvCxnSpPr>
-            <a:cxnSpLocks/>
-            <a:stCxn id="39" idx="2"/>
-            <a:endCxn id="48" idx="1"/>
-          </p:cNvCxnSpPr>
-          <p:nvPr/>
-        </p:nvCxnSpPr>
-        <p:spPr>
-          <a:xfrm rot="16200000" flipH="1">
-            <a:off x="1655587" y="3628564"/>
-            <a:ext cx="1687583" cy="166504"/>
-          </a:xfrm>
-          <a:prstGeom prst="bentConnector2">
-            <a:avLst/>
-          </a:prstGeom>
-          <a:ln w="19050">
-            <a:solidFill>
-              <a:schemeClr val="accent3"/>
-            </a:solidFill>
-            <a:headEnd type="none" w="med" len="med"/>
-            <a:tailEnd type="arrow" w="med" len="med"/>
-          </a:ln>
-          <a:effectLst/>
-        </p:spPr>
-        <p:style>
-          <a:lnRef idx="1">
-            <a:schemeClr val="accent2"/>
-          </a:lnRef>
-          <a:fillRef idx="2">
-            <a:schemeClr val="accent2"/>
-          </a:fillRef>
-          <a:effectRef idx="1">
-            <a:schemeClr val="accent2"/>
-          </a:effectRef>
-          <a:fontRef idx="minor">
-            <a:schemeClr val="dk1"/>
-          </a:fontRef>
-        </p:style>
-      </p:cxnSp>
-      <p:sp>
-        <p:nvSpPr>
-          <p:cNvPr id="62" name="Freeform 117">
-            <a:extLst>
-              <a:ext uri="{FF2B5EF4-FFF2-40B4-BE49-F238E27FC236}">
-                <a16:creationId xmlns:a16="http://schemas.microsoft.com/office/drawing/2014/main" id="{D0D70A91-4211-494C-996E-13B9F0A383BA}"/>
-              </a:ext>
-            </a:extLst>
-          </p:cNvPr>
-          <p:cNvSpPr/>
-          <p:nvPr/>
-        </p:nvSpPr>
-        <p:spPr>
           <a:xfrm flipV="1">
-            <a:off x="4114800" y="4963680"/>
-            <a:ext cx="4440916" cy="203200"/>
+            <a:off x="3748368" y="4248046"/>
+            <a:ext cx="4807347" cy="160061"/>
           </a:xfrm>
           <a:custGeom>
             <a:avLst/>
@@ -5826,161 +5590,31 @@
           </a:p>
         </p:txBody>
       </p:sp>
-      <p:sp>
-        <p:nvSpPr>
-          <p:cNvPr id="63" name="Rectangle 11">
+      <p:cxnSp>
+        <p:nvCxnSpPr>
+          <p:cNvPr id="70" name="Elbow Connector 136">
             <a:extLst>
               <a:ext uri="{FF2B5EF4-FFF2-40B4-BE49-F238E27FC236}">
-                <a16:creationId xmlns:a16="http://schemas.microsoft.com/office/drawing/2014/main" id="{DDEBBDE2-6E8C-46BE-8EAD-C4CE8E27E727}"/>
-              </a:ext>
-            </a:extLst>
-          </p:cNvPr>
-          <p:cNvSpPr/>
-          <p:nvPr/>
-        </p:nvSpPr>
-        <p:spPr>
-          <a:xfrm>
-            <a:off x="2586920" y="5034009"/>
-            <a:ext cx="1258130" cy="236841"/>
-          </a:xfrm>
-          <a:prstGeom prst="rect">
-            <a:avLst/>
-          </a:prstGeom>
-          <a:ln w="19050">
-            <a:solidFill>
-              <a:schemeClr val="accent3"/>
-            </a:solidFill>
-          </a:ln>
-          <a:effectLst/>
-        </p:spPr>
-        <p:style>
-          <a:lnRef idx="1">
-            <a:schemeClr val="accent3"/>
-          </a:lnRef>
-          <a:fillRef idx="2">
-            <a:schemeClr val="accent3"/>
-          </a:fillRef>
-          <a:effectRef idx="1">
-            <a:schemeClr val="accent3"/>
-          </a:effectRef>
-          <a:fontRef idx="minor">
-            <a:schemeClr val="dk1"/>
-          </a:fontRef>
-        </p:style>
-        <p:txBody>
-          <a:bodyPr rtlCol="0" anchor="ctr"/>
-          <a:lstStyle/>
-          <a:p>
-            <a:pPr algn="ctr"/>
-            <a:r>
-              <a:rPr lang="en-US" sz="1050" b="1" dirty="0" err="1">
-                <a:solidFill>
-                  <a:schemeClr val="accent3">
-                    <a:lumMod val="75000"/>
-                  </a:schemeClr>
-                </a:solidFill>
-              </a:rPr>
-              <a:t>MachineListPanel</a:t>
-            </a:r>
-            <a:endParaRPr lang="en-SG" sz="1050" b="1" dirty="0">
-              <a:solidFill>
-                <a:schemeClr val="accent3">
-                  <a:lumMod val="75000"/>
-                </a:schemeClr>
-              </a:solidFill>
-            </a:endParaRPr>
-          </a:p>
-        </p:txBody>
-      </p:sp>
-      <p:sp>
-        <p:nvSpPr>
-          <p:cNvPr id="64" name="Rectangle 11">
-            <a:extLst>
-              <a:ext uri="{FF2B5EF4-FFF2-40B4-BE49-F238E27FC236}">
-                <a16:creationId xmlns:a16="http://schemas.microsoft.com/office/drawing/2014/main" id="{AA6314E7-2E96-493E-ADA7-FB86A1E6FFAE}"/>
-              </a:ext>
-            </a:extLst>
-          </p:cNvPr>
-          <p:cNvSpPr/>
-          <p:nvPr/>
-        </p:nvSpPr>
-        <p:spPr>
-          <a:xfrm>
-            <a:off x="3839323" y="5327798"/>
-            <a:ext cx="1040906" cy="236841"/>
-          </a:xfrm>
-          <a:prstGeom prst="rect">
-            <a:avLst/>
-          </a:prstGeom>
-          <a:ln w="19050">
-            <a:solidFill>
-              <a:schemeClr val="accent3"/>
-            </a:solidFill>
-          </a:ln>
-          <a:effectLst/>
-        </p:spPr>
-        <p:style>
-          <a:lnRef idx="1">
-            <a:schemeClr val="accent3"/>
-          </a:lnRef>
-          <a:fillRef idx="2">
-            <a:schemeClr val="accent3"/>
-          </a:fillRef>
-          <a:effectRef idx="1">
-            <a:schemeClr val="accent3"/>
-          </a:effectRef>
-          <a:fontRef idx="minor">
-            <a:schemeClr val="dk1"/>
-          </a:fontRef>
-        </p:style>
-        <p:txBody>
-          <a:bodyPr rtlCol="0" anchor="ctr"/>
-          <a:lstStyle/>
-          <a:p>
-            <a:pPr algn="ctr"/>
-            <a:r>
-              <a:rPr lang="en-US" sz="1050" b="1" dirty="0" err="1">
-                <a:solidFill>
-                  <a:schemeClr val="accent3">
-                    <a:lumMod val="75000"/>
-                  </a:schemeClr>
-                </a:solidFill>
-              </a:rPr>
-              <a:t>MachineCard</a:t>
-            </a:r>
-            <a:endParaRPr lang="en-SG" sz="1050" b="1" dirty="0">
-              <a:solidFill>
-                <a:schemeClr val="accent3">
-                  <a:lumMod val="75000"/>
-                </a:schemeClr>
-              </a:solidFill>
-            </a:endParaRPr>
-          </a:p>
-        </p:txBody>
-      </p:sp>
-      <p:cxnSp>
-        <p:nvCxnSpPr>
-          <p:cNvPr id="65" name="Elbow Connector 136">
-            <a:extLst>
-              <a:ext uri="{FF2B5EF4-FFF2-40B4-BE49-F238E27FC236}">
-                <a16:creationId xmlns:a16="http://schemas.microsoft.com/office/drawing/2014/main" id="{1510671F-F586-49F8-A17F-94B1E42D2335}"/>
+                <a16:creationId xmlns:a16="http://schemas.microsoft.com/office/drawing/2014/main" id="{4A31F69C-4B1C-4533-A69A-0096782500E8}"/>
               </a:ext>
             </a:extLst>
           </p:cNvPr>
           <p:cNvCxnSpPr>
             <a:cxnSpLocks/>
-            <a:stCxn id="63" idx="2"/>
-            <a:endCxn id="64" idx="1"/>
+            <a:stCxn id="64" idx="2"/>
+            <a:endCxn id="48" idx="0"/>
           </p:cNvCxnSpPr>
           <p:nvPr/>
         </p:nvCxnSpPr>
         <p:spPr>
           <a:xfrm rot="16200000" flipH="1">
-            <a:off x="3439970" y="5046865"/>
-            <a:ext cx="175369" cy="623338"/>
-          </a:xfrm>
-          <a:prstGeom prst="bentConnector2">
-            <a:avLst/>
+            <a:off x="3322791" y="4351810"/>
+            <a:ext cx="417253" cy="204435"/>
+          </a:xfrm>
+          <a:prstGeom prst="bentConnector3">
+            <a:avLst>
+              <a:gd name="adj1" fmla="val 50000"/>
+            </a:avLst>
           </a:prstGeom>
           <a:ln w="19050">
             <a:solidFill>
@@ -6006,142 +5640,6 @@
           </a:fontRef>
         </p:style>
       </p:cxnSp>
-      <p:cxnSp>
-        <p:nvCxnSpPr>
-          <p:cNvPr id="66" name="Elbow Connector 63">
-            <a:extLst>
-              <a:ext uri="{FF2B5EF4-FFF2-40B4-BE49-F238E27FC236}">
-                <a16:creationId xmlns:a16="http://schemas.microsoft.com/office/drawing/2014/main" id="{47BC0B05-3BAC-4A7C-A76F-B5D8120F8582}"/>
-              </a:ext>
-            </a:extLst>
-          </p:cNvPr>
-          <p:cNvCxnSpPr>
-            <a:cxnSpLocks/>
-            <a:stCxn id="39" idx="2"/>
-            <a:endCxn id="63" idx="1"/>
-          </p:cNvCxnSpPr>
-          <p:nvPr/>
-        </p:nvCxnSpPr>
-        <p:spPr>
-          <a:xfrm rot="16200000" flipH="1">
-            <a:off x="1359321" y="3924830"/>
-            <a:ext cx="2284405" cy="170794"/>
-          </a:xfrm>
-          <a:prstGeom prst="bentConnector2">
-            <a:avLst/>
-          </a:prstGeom>
-          <a:ln w="19050">
-            <a:solidFill>
-              <a:schemeClr val="accent3"/>
-            </a:solidFill>
-            <a:headEnd type="none" w="med" len="med"/>
-            <a:tailEnd type="arrow" w="med" len="med"/>
-          </a:ln>
-          <a:effectLst/>
-        </p:spPr>
-        <p:style>
-          <a:lnRef idx="1">
-            <a:schemeClr val="accent2"/>
-          </a:lnRef>
-          <a:fillRef idx="2">
-            <a:schemeClr val="accent2"/>
-          </a:fillRef>
-          <a:effectRef idx="1">
-            <a:schemeClr val="accent2"/>
-          </a:effectRef>
-          <a:fontRef idx="minor">
-            <a:schemeClr val="dk1"/>
-          </a:fontRef>
-        </p:style>
-      </p:cxnSp>
-      <p:sp>
-        <p:nvSpPr>
-          <p:cNvPr id="67" name="Freeform 117">
-            <a:extLst>
-              <a:ext uri="{FF2B5EF4-FFF2-40B4-BE49-F238E27FC236}">
-                <a16:creationId xmlns:a16="http://schemas.microsoft.com/office/drawing/2014/main" id="{BD1195E8-AE91-43CD-90F2-7A37E863A69F}"/>
-              </a:ext>
-            </a:extLst>
-          </p:cNvPr>
-          <p:cNvSpPr/>
-          <p:nvPr/>
-        </p:nvSpPr>
-        <p:spPr>
-          <a:xfrm flipV="1">
-            <a:off x="4162947" y="5574788"/>
-            <a:ext cx="4392767" cy="213139"/>
-          </a:xfrm>
-          <a:custGeom>
-            <a:avLst/>
-            <a:gdLst>
-              <a:gd name="connsiteX0" fmla="*/ 0 w 3048000"/>
-              <a:gd name="connsiteY0" fmla="*/ 203200 h 203200"/>
-              <a:gd name="connsiteX1" fmla="*/ 221673 w 3048000"/>
-              <a:gd name="connsiteY1" fmla="*/ 0 h 203200"/>
-              <a:gd name="connsiteX2" fmla="*/ 3048000 w 3048000"/>
-              <a:gd name="connsiteY2" fmla="*/ 0 h 203200"/>
-            </a:gdLst>
-            <a:ahLst/>
-            <a:cxnLst>
-              <a:cxn ang="0">
-                <a:pos x="connsiteX0" y="connsiteY0"/>
-              </a:cxn>
-              <a:cxn ang="0">
-                <a:pos x="connsiteX1" y="connsiteY1"/>
-              </a:cxn>
-              <a:cxn ang="0">
-                <a:pos x="connsiteX2" y="connsiteY2"/>
-              </a:cxn>
-            </a:cxnLst>
-            <a:rect l="l" t="t" r="r" b="b"/>
-            <a:pathLst>
-              <a:path w="3048000" h="203200">
-                <a:moveTo>
-                  <a:pt x="0" y="203200"/>
-                </a:moveTo>
-                <a:lnTo>
-                  <a:pt x="221673" y="0"/>
-                </a:lnTo>
-                <a:lnTo>
-                  <a:pt x="3048000" y="0"/>
-                </a:lnTo>
-              </a:path>
-            </a:pathLst>
-          </a:custGeom>
-          <a:noFill/>
-          <a:ln w="19050">
-            <a:solidFill>
-              <a:schemeClr val="accent3"/>
-            </a:solidFill>
-            <a:prstDash val="sysDot"/>
-            <a:headEnd type="none" w="med" len="med"/>
-            <a:tailEnd type="arrow" w="med" len="med"/>
-          </a:ln>
-          <a:effectLst/>
-        </p:spPr>
-        <p:style>
-          <a:lnRef idx="1">
-            <a:schemeClr val="accent2"/>
-          </a:lnRef>
-          <a:fillRef idx="2">
-            <a:schemeClr val="accent2"/>
-          </a:fillRef>
-          <a:effectRef idx="1">
-            <a:schemeClr val="accent2"/>
-          </a:effectRef>
-          <a:fontRef idx="minor">
-            <a:schemeClr val="dk1"/>
-          </a:fontRef>
-        </p:style>
-        <p:txBody>
-          <a:bodyPr rtlCol="0" anchor="ctr"/>
-          <a:lstStyle/>
-          <a:p>
-            <a:pPr algn="ctr"/>
-            <a:endParaRPr lang="en-SG"/>
-          </a:p>
-        </p:txBody>
-      </p:sp>
     </p:spTree>
     <p:extLst>
       <p:ext uri="{BB962C8B-B14F-4D97-AF65-F5344CB8AC3E}">
